--- a/Relatorios/apr-3-PL3-20.pptx
+++ b/Relatorios/apr-3-PL3-20.pptx
@@ -9,6 +9,10 @@
     <p:sldId id="257" r:id="rId3"/>
     <p:sldId id="258" r:id="rId4"/>
     <p:sldId id="259" r:id="rId5"/>
+    <p:sldId id="260" r:id="rId6"/>
+    <p:sldId id="263" r:id="rId7"/>
+    <p:sldId id="261" r:id="rId8"/>
+    <p:sldId id="262" r:id="rId9"/>
   </p:sldIdLst>
   <p:sldSz cx="9144000" cy="6858000" type="screen4x3"/>
   <p:notesSz cx="9144000" cy="6858000"/>
@@ -241,7 +245,7 @@
           <a:p>
             <a:fld id="{1D8BD707-D9CF-40AE-B4C6-C98DA3205C09}" type="datetimeFigureOut">
               <a:rPr lang="en-US" smtClean="0"/>
-              <a:t>6/5/2013</a:t>
+              <a:t>6/6/2013</a:t>
             </a:fld>
             <a:endParaRPr lang="en-US" smtClean="0"/>
           </a:p>
@@ -398,7 +402,7 @@
           <a:p>
             <a:fld id="{1D8BD707-D9CF-40AE-B4C6-C98DA3205C09}" type="datetimeFigureOut">
               <a:rPr lang="en-US" smtClean="0"/>
-              <a:t>6/5/2013</a:t>
+              <a:t>6/6/2013</a:t>
             </a:fld>
             <a:endParaRPr lang="en-US" smtClean="0"/>
           </a:p>
@@ -594,7 +598,7 @@
           <a:p>
             <a:fld id="{1D8BD707-D9CF-40AE-B4C6-C98DA3205C09}" type="datetimeFigureOut">
               <a:rPr lang="en-US" smtClean="0"/>
-              <a:t>6/5/2013</a:t>
+              <a:t>6/6/2013</a:t>
             </a:fld>
             <a:endParaRPr lang="en-US" smtClean="0"/>
           </a:p>
@@ -732,7 +736,7 @@
           <a:p>
             <a:fld id="{1D8BD707-D9CF-40AE-B4C6-C98DA3205C09}" type="datetimeFigureOut">
               <a:rPr lang="en-US" smtClean="0"/>
-              <a:t>6/5/2013</a:t>
+              <a:t>6/6/2013</a:t>
             </a:fld>
             <a:endParaRPr lang="en-US" smtClean="0"/>
           </a:p>
@@ -963,7 +967,7 @@
           <a:p>
             <a:fld id="{1D8BD707-D9CF-40AE-B4C6-C98DA3205C09}" type="datetimeFigureOut">
               <a:rPr lang="en-US" smtClean="0"/>
-              <a:t>6/5/2013</a:t>
+              <a:t>6/6/2013</a:t>
             </a:fld>
             <a:endParaRPr lang="en-US" smtClean="0"/>
           </a:p>
@@ -1272,7 +1276,7 @@
           <a:p>
             <a:fld id="{1D8BD707-D9CF-40AE-B4C6-C98DA3205C09}" type="datetimeFigureOut">
               <a:rPr lang="en-US" smtClean="0"/>
-              <a:t>6/5/2013</a:t>
+              <a:t>6/6/2013</a:t>
             </a:fld>
             <a:endParaRPr lang="en-US" smtClean="0"/>
           </a:p>
@@ -1621,6 +1625,13 @@
   <p:clrMapOvr>
     <a:masterClrMapping/>
   </p:clrMapOvr>
+  <p:timing>
+    <p:tnLst>
+      <p:par>
+        <p:cTn id="1" dur="indefinite" restart="never" nodeType="tmRoot"/>
+      </p:par>
+    </p:tnLst>
+  </p:timing>
 </p:sld>
 </file>
 
@@ -1998,17 +2009,7 @@
                 <a:latin typeface="Franklin Gothic Medium"/>
                 <a:cs typeface="Franklin Gothic Medium"/>
               </a:rPr>
-              <a:t>Qual o </a:t>
-            </a:r>
-            <a:r>
-              <a:rPr lang="pt-PT" sz="2000" spc="150" dirty="0" smtClean="0">
-                <a:solidFill>
-                  <a:srgbClr val="524848"/>
-                </a:solidFill>
-                <a:latin typeface="Franklin Gothic Medium"/>
-                <a:cs typeface="Franklin Gothic Medium"/>
-              </a:rPr>
-              <a:t>p</a:t>
+              <a:t>Qual o p</a:t>
             </a:r>
             <a:r>
               <a:rPr lang="pt-PT" sz="2000" spc="150" dirty="0">
@@ -2090,47 +2091,6 @@
               </a:rPr>
               <a:t>?</a:t>
             </a:r>
-            <a:endParaRPr sz="2000" dirty="0">
-              <a:latin typeface="Franklin Gothic Medium"/>
-              <a:cs typeface="Franklin Gothic Medium"/>
-            </a:endParaRPr>
-          </a:p>
-        </p:txBody>
-      </p:sp>
-      <p:sp>
-        <p:nvSpPr>
-          <p:cNvPr id="4" name="object 4"/>
-          <p:cNvSpPr txBox="1"/>
-          <p:nvPr/>
-        </p:nvSpPr>
-        <p:spPr>
-          <a:xfrm>
-            <a:off x="2396489" y="4295140"/>
-            <a:ext cx="2307590" cy="318135"/>
-          </a:xfrm>
-          <a:prstGeom prst="rect">
-            <a:avLst/>
-          </a:prstGeom>
-        </p:spPr>
-        <p:txBody>
-          <a:bodyPr vert="horz" wrap="square" lIns="0" tIns="0" rIns="0" bIns="0" rtlCol="0">
-            <a:noAutofit/>
-          </a:bodyPr>
-          <a:lstStyle/>
-          <a:p>
-            <a:pPr marL="241300" indent="-228600">
-              <a:lnSpc>
-                <a:spcPct val="100000"/>
-              </a:lnSpc>
-              <a:buClr>
-                <a:srgbClr val="C56951"/>
-              </a:buClr>
-              <a:buFont typeface="Wingdings 2"/>
-              <a:buChar char=""/>
-              <a:tabLst>
-                <a:tab pos="241300" algn="l"/>
-              </a:tabLst>
-            </a:pPr>
             <a:endParaRPr sz="2000" dirty="0">
               <a:latin typeface="Franklin Gothic Medium"/>
               <a:cs typeface="Franklin Gothic Medium"/>
@@ -2297,6 +2257,13 @@
   <p:clrMapOvr>
     <a:masterClrMapping/>
   </p:clrMapOvr>
+  <p:timing>
+    <p:tnLst>
+      <p:par>
+        <p:cTn id="1" dur="indefinite" restart="never" nodeType="tmRoot"/>
+      </p:par>
+    </p:tnLst>
+  </p:timing>
 </p:sld>
 </file>
 
@@ -2359,27 +2326,7 @@
                 <a:latin typeface="Franklin Gothic Medium"/>
                 <a:cs typeface="Franklin Gothic Medium"/>
               </a:rPr>
-              <a:t>Que funcionalidades podem beneficiar</a:t>
-            </a:r>
-            <a:r>
-              <a:rPr lang="pt-PT" sz="2000" spc="145" dirty="0" smtClean="0">
-                <a:solidFill>
-                  <a:srgbClr val="524848"/>
-                </a:solidFill>
-                <a:latin typeface="Franklin Gothic Medium"/>
-                <a:cs typeface="Franklin Gothic Medium"/>
-              </a:rPr>
-              <a:t> </a:t>
-            </a:r>
-            <a:r>
-              <a:rPr lang="pt-PT" sz="2000" spc="145" dirty="0" smtClean="0">
-                <a:solidFill>
-                  <a:srgbClr val="524848"/>
-                </a:solidFill>
-                <a:latin typeface="Franklin Gothic Medium"/>
-                <a:cs typeface="Franklin Gothic Medium"/>
-              </a:rPr>
-              <a:t>o utilizador?</a:t>
+              <a:t>Que funcionalidades podem beneficiar o utilizador?</a:t>
             </a:r>
           </a:p>
         </p:txBody>
@@ -2615,6 +2562,13 @@
   <p:clrMapOvr>
     <a:masterClrMapping/>
   </p:clrMapOvr>
+  <p:timing>
+    <p:tnLst>
+      <p:par>
+        <p:cTn id="1" dur="indefinite" restart="never" nodeType="tmRoot"/>
+      </p:par>
+    </p:tnLst>
+  </p:timing>
 </p:sld>
 </file>
 
@@ -2677,8 +2631,37 @@
                 <a:latin typeface="Franklin Gothic Medium"/>
                 <a:cs typeface="Franklin Gothic Medium"/>
               </a:rPr>
-              <a:t>Perfis de Candidatos e Empregadores.</a:t>
-            </a:r>
+              <a:t>Aprendizagem da linguagem C# e asp.net</a:t>
+            </a:r>
+            <a:endParaRPr lang="pt-PT" sz="2000" spc="145" dirty="0" smtClean="0">
+              <a:solidFill>
+                <a:srgbClr val="524848"/>
+              </a:solidFill>
+              <a:latin typeface="Franklin Gothic Medium"/>
+              <a:cs typeface="Franklin Gothic Medium"/>
+            </a:endParaRPr>
+          </a:p>
+          <a:p>
+            <a:pPr marL="241300" indent="-228600">
+              <a:lnSpc>
+                <a:spcPct val="100000"/>
+              </a:lnSpc>
+              <a:buClr>
+                <a:srgbClr val="C56951"/>
+              </a:buClr>
+              <a:buFont typeface="Wingdings 2"/>
+              <a:buChar char=""/>
+              <a:tabLst>
+                <a:tab pos="241300" algn="l"/>
+              </a:tabLst>
+            </a:pPr>
+            <a:endParaRPr lang="pt-PT" sz="2000" spc="145" dirty="0" smtClean="0">
+              <a:solidFill>
+                <a:srgbClr val="524848"/>
+              </a:solidFill>
+              <a:latin typeface="Franklin Gothic Medium"/>
+              <a:cs typeface="Franklin Gothic Medium"/>
+            </a:endParaRPr>
           </a:p>
           <a:p>
             <a:pPr marL="241300" indent="-228600">
@@ -2724,28 +2707,37 @@
                 <a:latin typeface="Franklin Gothic Medium"/>
                 <a:cs typeface="Franklin Gothic Medium"/>
               </a:rPr>
-              <a:t>Gerar </a:t>
-            </a:r>
-            <a:r>
-              <a:rPr lang="pt-PT" sz="2000" i="1" spc="145" dirty="0" smtClean="0">
-                <a:solidFill>
-                  <a:srgbClr val="524848"/>
-                </a:solidFill>
-                <a:latin typeface="Franklin Gothic Medium"/>
-                <a:cs typeface="Franklin Gothic Medium"/>
-              </a:rPr>
-              <a:t>Curriculum vitae </a:t>
-            </a:r>
-            <a:r>
-              <a:rPr lang="pt-PT" sz="2000" spc="145" dirty="0" smtClean="0">
-                <a:solidFill>
-                  <a:srgbClr val="524848"/>
-                </a:solidFill>
-                <a:latin typeface="Franklin Gothic Medium"/>
-                <a:cs typeface="Franklin Gothic Medium"/>
-              </a:rPr>
-              <a:t>(CV).</a:t>
-            </a:r>
+              <a:t>Criação da estrutura.</a:t>
+            </a:r>
+            <a:endParaRPr lang="pt-PT" sz="2000" spc="145" dirty="0" smtClean="0">
+              <a:solidFill>
+                <a:srgbClr val="524848"/>
+              </a:solidFill>
+              <a:latin typeface="Franklin Gothic Medium"/>
+              <a:cs typeface="Franklin Gothic Medium"/>
+            </a:endParaRPr>
+          </a:p>
+          <a:p>
+            <a:pPr marL="241300" indent="-228600">
+              <a:lnSpc>
+                <a:spcPct val="100000"/>
+              </a:lnSpc>
+              <a:buClr>
+                <a:srgbClr val="C56951"/>
+              </a:buClr>
+              <a:buFont typeface="Wingdings 2"/>
+              <a:buChar char=""/>
+              <a:tabLst>
+                <a:tab pos="241300" algn="l"/>
+              </a:tabLst>
+            </a:pPr>
+            <a:endParaRPr lang="pt-PT" sz="2000" spc="145" dirty="0" smtClean="0">
+              <a:solidFill>
+                <a:srgbClr val="524848"/>
+              </a:solidFill>
+              <a:latin typeface="Franklin Gothic Medium"/>
+              <a:cs typeface="Franklin Gothic Medium"/>
+            </a:endParaRPr>
           </a:p>
           <a:p>
             <a:pPr marL="241300" indent="-228600">
@@ -2791,113 +2783,17 @@
                 <a:latin typeface="Franklin Gothic Medium"/>
                 <a:cs typeface="Franklin Gothic Medium"/>
               </a:rPr>
-              <a:t>Troca de mensagens entre utilizadores.</a:t>
-            </a:r>
-          </a:p>
-          <a:p>
-            <a:pPr marL="241300" indent="-228600">
-              <a:lnSpc>
-                <a:spcPct val="100000"/>
-              </a:lnSpc>
-              <a:buClr>
-                <a:srgbClr val="C56951"/>
-              </a:buClr>
-              <a:buFont typeface="Wingdings 2"/>
-              <a:buChar char=""/>
-              <a:tabLst>
-                <a:tab pos="241300" algn="l"/>
-              </a:tabLst>
-            </a:pPr>
-            <a:endParaRPr lang="pt-PT" sz="2000" spc="145" dirty="0">
-              <a:solidFill>
-                <a:srgbClr val="524848"/>
-              </a:solidFill>
-              <a:latin typeface="Franklin Gothic Medium"/>
-              <a:cs typeface="Franklin Gothic Medium"/>
-            </a:endParaRPr>
-          </a:p>
-          <a:p>
-            <a:pPr marL="241300" indent="-228600">
-              <a:lnSpc>
-                <a:spcPct val="100000"/>
-              </a:lnSpc>
-              <a:buClr>
-                <a:srgbClr val="C56951"/>
-              </a:buClr>
-              <a:buFont typeface="Wingdings 2"/>
-              <a:buChar char=""/>
-              <a:tabLst>
-                <a:tab pos="241300" algn="l"/>
-              </a:tabLst>
-            </a:pPr>
-            <a:r>
-              <a:rPr lang="pt-PT" sz="2000" spc="145" dirty="0" smtClean="0">
-                <a:solidFill>
-                  <a:srgbClr val="524848"/>
-                </a:solidFill>
-                <a:latin typeface="Franklin Gothic Medium"/>
-                <a:cs typeface="Franklin Gothic Medium"/>
-              </a:rPr>
-              <a:t>Publicação de anúncios de emprego.</a:t>
-            </a:r>
-          </a:p>
-          <a:p>
-            <a:pPr marL="241300" indent="-228600">
-              <a:lnSpc>
-                <a:spcPct val="100000"/>
-              </a:lnSpc>
-              <a:buClr>
-                <a:srgbClr val="C56951"/>
-              </a:buClr>
-              <a:buFont typeface="Wingdings 2"/>
-              <a:buChar char=""/>
-              <a:tabLst>
-                <a:tab pos="241300" algn="l"/>
-              </a:tabLst>
-            </a:pPr>
-            <a:endParaRPr lang="pt-PT" sz="2000" spc="145" dirty="0">
-              <a:solidFill>
-                <a:srgbClr val="524848"/>
-              </a:solidFill>
-              <a:latin typeface="Franklin Gothic Medium"/>
-              <a:cs typeface="Franklin Gothic Medium"/>
-            </a:endParaRPr>
-          </a:p>
-          <a:p>
-            <a:pPr marL="241300" indent="-228600">
-              <a:lnSpc>
-                <a:spcPct val="100000"/>
-              </a:lnSpc>
-              <a:buClr>
-                <a:srgbClr val="C56951"/>
-              </a:buClr>
-              <a:buFont typeface="Wingdings 2"/>
-              <a:buChar char=""/>
-              <a:tabLst>
-                <a:tab pos="241300" algn="l"/>
-              </a:tabLst>
-            </a:pPr>
-            <a:r>
-              <a:rPr lang="pt-PT" sz="2000" spc="145" dirty="0" smtClean="0">
-                <a:solidFill>
-                  <a:srgbClr val="524848"/>
-                </a:solidFill>
-                <a:latin typeface="Franklin Gothic Medium"/>
-                <a:cs typeface="Franklin Gothic Medium"/>
-              </a:rPr>
-              <a:t>Pesquisar Candidatos ou Empregadores.</a:t>
-            </a:r>
-          </a:p>
-          <a:p>
-            <a:pPr marL="241300" indent="-228600">
-              <a:lnSpc>
-                <a:spcPct val="100000"/>
-              </a:lnSpc>
-              <a:buClr>
-                <a:srgbClr val="C56951"/>
-              </a:buClr>
-              <a:buFont typeface="Wingdings 2"/>
-              <a:buChar char=""/>
+              <a:t>Implementação de uma interface web do estilo metro.</a:t>
+            </a:r>
+          </a:p>
+          <a:p>
+            <a:pPr marL="12700">
+              <a:lnSpc>
+                <a:spcPct val="100000"/>
+              </a:lnSpc>
+              <a:buClr>
+                <a:srgbClr val="C56951"/>
+              </a:buClr>
               <a:tabLst>
                 <a:tab pos="241300" algn="l"/>
               </a:tabLst>
@@ -3070,6 +2966,10 @@
           </p:nvPr>
         </p:nvSpPr>
         <p:spPr>
+          <a:xfrm>
+            <a:off x="2852802" y="304800"/>
+            <a:ext cx="3328161" cy="520826"/>
+          </a:xfrm>
           <a:prstGeom prst="rect">
             <a:avLst/>
           </a:prstGeom>
@@ -3093,7 +2993,7 @@
                 <a:latin typeface="Baskerville Old Face"/>
                 <a:cs typeface="Baskerville Old Face"/>
               </a:rPr>
-              <a:t>Proposta Final</a:t>
+              <a:t>Criação da Aplicação web</a:t>
             </a:r>
             <a:endParaRPr sz="3200" dirty="0">
               <a:latin typeface="Baskerville Old Face"/>
@@ -3143,6 +3043,2007 @@
   <p:clrMapOvr>
     <a:masterClrMapping/>
   </p:clrMapOvr>
+  <p:timing>
+    <p:tnLst>
+      <p:par>
+        <p:cTn id="1" dur="indefinite" restart="never" nodeType="tmRoot"/>
+      </p:par>
+    </p:tnLst>
+  </p:timing>
+</p:sld>
+</file>
+
+<file path=ppt/slides/slide5.xml><?xml version="1.0" encoding="utf-8"?>
+<p:sld xmlns:a="http://schemas.openxmlformats.org/drawingml/2006/main" xmlns:r="http://schemas.openxmlformats.org/officeDocument/2006/relationships" xmlns:p="http://schemas.openxmlformats.org/presentationml/2006/main">
+  <p:cSld>
+    <p:spTree>
+      <p:nvGrpSpPr>
+        <p:cNvPr id="1" name=""/>
+        <p:cNvGrpSpPr/>
+        <p:nvPr/>
+      </p:nvGrpSpPr>
+      <p:grpSpPr>
+        <a:xfrm>
+          <a:off x="0" y="0"/>
+          <a:ext cx="0" cy="0"/>
+          <a:chOff x="0" y="0"/>
+          <a:chExt cx="0" cy="0"/>
+        </a:xfrm>
+      </p:grpSpPr>
+      <p:sp>
+        <p:nvSpPr>
+          <p:cNvPr id="2" name="object 2"/>
+          <p:cNvSpPr txBox="1"/>
+          <p:nvPr/>
+        </p:nvSpPr>
+        <p:spPr>
+          <a:xfrm>
+            <a:off x="2385875" y="1752600"/>
+            <a:ext cx="3515995" cy="719455"/>
+          </a:xfrm>
+          <a:prstGeom prst="rect">
+            <a:avLst/>
+          </a:prstGeom>
+        </p:spPr>
+        <p:txBody>
+          <a:bodyPr vert="horz" wrap="square" lIns="0" tIns="0" rIns="0" bIns="0" rtlCol="0">
+            <a:noAutofit/>
+          </a:bodyPr>
+          <a:lstStyle/>
+          <a:p>
+            <a:pPr marL="241300" indent="-228600">
+              <a:lnSpc>
+                <a:spcPct val="100000"/>
+              </a:lnSpc>
+              <a:buClr>
+                <a:srgbClr val="C56951"/>
+              </a:buClr>
+              <a:buFont typeface="Wingdings 2"/>
+              <a:buChar char=""/>
+              <a:tabLst>
+                <a:tab pos="241300" algn="l"/>
+              </a:tabLst>
+            </a:pPr>
+            <a:r>
+              <a:rPr lang="pt-PT" sz="2000" spc="145" dirty="0" smtClean="0">
+                <a:solidFill>
+                  <a:srgbClr val="524848"/>
+                </a:solidFill>
+                <a:latin typeface="Franklin Gothic Medium"/>
+                <a:cs typeface="Franklin Gothic Medium"/>
+              </a:rPr>
+              <a:t>Dificuldades encontradas quanto às </a:t>
+            </a:r>
+            <a:r>
+              <a:rPr lang="pt-PT" sz="2000" spc="145" dirty="0" err="1" smtClean="0">
+                <a:solidFill>
+                  <a:srgbClr val="524848"/>
+                </a:solidFill>
+                <a:latin typeface="Franklin Gothic Medium"/>
+                <a:cs typeface="Franklin Gothic Medium"/>
+              </a:rPr>
+              <a:t>APIs</a:t>
+            </a:r>
+            <a:r>
+              <a:rPr lang="pt-PT" sz="2000" spc="145" dirty="0" smtClean="0">
+                <a:solidFill>
+                  <a:srgbClr val="524848"/>
+                </a:solidFill>
+                <a:latin typeface="Franklin Gothic Medium"/>
+                <a:cs typeface="Franklin Gothic Medium"/>
+              </a:rPr>
+              <a:t>  oferecidas.</a:t>
+            </a:r>
+            <a:endParaRPr lang="pt-PT" sz="2000" spc="145" dirty="0" smtClean="0">
+              <a:solidFill>
+                <a:srgbClr val="524848"/>
+              </a:solidFill>
+              <a:latin typeface="Franklin Gothic Medium"/>
+              <a:cs typeface="Franklin Gothic Medium"/>
+            </a:endParaRPr>
+          </a:p>
+          <a:p>
+            <a:pPr marL="241300" indent="-228600">
+              <a:lnSpc>
+                <a:spcPct val="100000"/>
+              </a:lnSpc>
+              <a:buClr>
+                <a:srgbClr val="C56951"/>
+              </a:buClr>
+              <a:buFont typeface="Wingdings 2"/>
+              <a:buChar char=""/>
+              <a:tabLst>
+                <a:tab pos="241300" algn="l"/>
+              </a:tabLst>
+            </a:pPr>
+            <a:endParaRPr lang="pt-PT" sz="2000" spc="145" dirty="0">
+              <a:solidFill>
+                <a:srgbClr val="524848"/>
+              </a:solidFill>
+              <a:latin typeface="Franklin Gothic Medium"/>
+              <a:cs typeface="Franklin Gothic Medium"/>
+            </a:endParaRPr>
+          </a:p>
+          <a:p>
+            <a:pPr marL="241300" indent="-228600">
+              <a:lnSpc>
+                <a:spcPct val="100000"/>
+              </a:lnSpc>
+              <a:buClr>
+                <a:srgbClr val="C56951"/>
+              </a:buClr>
+              <a:buFont typeface="Wingdings 2"/>
+              <a:buChar char=""/>
+              <a:tabLst>
+                <a:tab pos="241300" algn="l"/>
+              </a:tabLst>
+            </a:pPr>
+            <a:r>
+              <a:rPr lang="pt-PT" sz="2000" spc="145" dirty="0" smtClean="0">
+                <a:solidFill>
+                  <a:srgbClr val="524848"/>
+                </a:solidFill>
+                <a:latin typeface="Franklin Gothic Medium"/>
+                <a:cs typeface="Franklin Gothic Medium"/>
+              </a:rPr>
+              <a:t>Criação no formato </a:t>
+            </a:r>
+            <a:r>
+              <a:rPr lang="pt-PT" sz="2000" i="1" spc="145" dirty="0" err="1" smtClean="0">
+                <a:solidFill>
+                  <a:srgbClr val="524848"/>
+                </a:solidFill>
+                <a:latin typeface="Franklin Gothic Medium"/>
+                <a:cs typeface="Franklin Gothic Medium"/>
+              </a:rPr>
+              <a:t>xml</a:t>
+            </a:r>
+            <a:r>
+              <a:rPr lang="pt-PT" sz="2000" spc="145" dirty="0" smtClean="0">
+                <a:solidFill>
+                  <a:srgbClr val="524848"/>
+                </a:solidFill>
+                <a:latin typeface="Franklin Gothic Medium"/>
+                <a:cs typeface="Franklin Gothic Medium"/>
+              </a:rPr>
+              <a:t>, com a versão 2.0, e conversão para </a:t>
+            </a:r>
+            <a:r>
+              <a:rPr lang="pt-PT" sz="2000" i="1" spc="145" dirty="0" err="1" smtClean="0">
+                <a:solidFill>
+                  <a:srgbClr val="524848"/>
+                </a:solidFill>
+                <a:latin typeface="Franklin Gothic Medium"/>
+                <a:cs typeface="Franklin Gothic Medium"/>
+              </a:rPr>
+              <a:t>pdf</a:t>
+            </a:r>
+            <a:r>
+              <a:rPr lang="pt-PT" sz="2000" spc="145" dirty="0" smtClean="0">
+                <a:solidFill>
+                  <a:srgbClr val="524848"/>
+                </a:solidFill>
+                <a:latin typeface="Franklin Gothic Medium"/>
+                <a:cs typeface="Franklin Gothic Medium"/>
+              </a:rPr>
+              <a:t>.</a:t>
+            </a:r>
+            <a:endParaRPr lang="pt-PT" sz="2000" spc="145" dirty="0" smtClean="0">
+              <a:solidFill>
+                <a:srgbClr val="524848"/>
+              </a:solidFill>
+              <a:latin typeface="Franklin Gothic Medium"/>
+              <a:cs typeface="Franklin Gothic Medium"/>
+            </a:endParaRPr>
+          </a:p>
+          <a:p>
+            <a:pPr marL="241300" indent="-228600">
+              <a:lnSpc>
+                <a:spcPct val="100000"/>
+              </a:lnSpc>
+              <a:buClr>
+                <a:srgbClr val="C56951"/>
+              </a:buClr>
+              <a:buFont typeface="Wingdings 2"/>
+              <a:buChar char=""/>
+              <a:tabLst>
+                <a:tab pos="241300" algn="l"/>
+              </a:tabLst>
+            </a:pPr>
+            <a:endParaRPr lang="pt-PT" sz="2000" spc="145" dirty="0">
+              <a:solidFill>
+                <a:srgbClr val="524848"/>
+              </a:solidFill>
+              <a:latin typeface="Franklin Gothic Medium"/>
+              <a:cs typeface="Franklin Gothic Medium"/>
+            </a:endParaRPr>
+          </a:p>
+          <a:p>
+            <a:pPr marL="241300" indent="-228600">
+              <a:lnSpc>
+                <a:spcPct val="100000"/>
+              </a:lnSpc>
+              <a:buClr>
+                <a:srgbClr val="C56951"/>
+              </a:buClr>
+              <a:buFont typeface="Wingdings 2"/>
+              <a:buChar char=""/>
+              <a:tabLst>
+                <a:tab pos="241300" algn="l"/>
+              </a:tabLst>
+            </a:pPr>
+            <a:r>
+              <a:rPr lang="pt-PT" sz="2000" spc="145" dirty="0" smtClean="0">
+                <a:solidFill>
+                  <a:srgbClr val="524848"/>
+                </a:solidFill>
+                <a:latin typeface="Franklin Gothic Medium"/>
+                <a:cs typeface="Franklin Gothic Medium"/>
+              </a:rPr>
+              <a:t>Suporte na interface web para download  do CV, com o perfil do  utilizador.</a:t>
+            </a:r>
+            <a:endParaRPr lang="pt-PT" sz="2000" spc="145" dirty="0">
+              <a:solidFill>
+                <a:srgbClr val="524848"/>
+              </a:solidFill>
+              <a:latin typeface="Franklin Gothic Medium"/>
+              <a:cs typeface="Franklin Gothic Medium"/>
+            </a:endParaRPr>
+          </a:p>
+          <a:p>
+            <a:pPr marL="12700">
+              <a:lnSpc>
+                <a:spcPct val="100000"/>
+              </a:lnSpc>
+              <a:buClr>
+                <a:srgbClr val="C56951"/>
+              </a:buClr>
+              <a:tabLst>
+                <a:tab pos="241300" algn="l"/>
+              </a:tabLst>
+            </a:pPr>
+            <a:endParaRPr lang="pt-PT" sz="2000" spc="145" dirty="0">
+              <a:solidFill>
+                <a:srgbClr val="524848"/>
+              </a:solidFill>
+              <a:latin typeface="Franklin Gothic Medium"/>
+              <a:cs typeface="Franklin Gothic Medium"/>
+            </a:endParaRPr>
+          </a:p>
+          <a:p>
+            <a:pPr marL="241300" indent="-228600">
+              <a:lnSpc>
+                <a:spcPct val="100000"/>
+              </a:lnSpc>
+              <a:buClr>
+                <a:srgbClr val="C56951"/>
+              </a:buClr>
+              <a:buFont typeface="Wingdings 2"/>
+              <a:buChar char=""/>
+              <a:tabLst>
+                <a:tab pos="241300" algn="l"/>
+              </a:tabLst>
+            </a:pPr>
+            <a:endParaRPr lang="pt-PT" sz="2000" spc="145" dirty="0" smtClean="0">
+              <a:solidFill>
+                <a:srgbClr val="524848"/>
+              </a:solidFill>
+              <a:latin typeface="Franklin Gothic Medium"/>
+              <a:cs typeface="Franklin Gothic Medium"/>
+            </a:endParaRPr>
+          </a:p>
+        </p:txBody>
+      </p:sp>
+      <p:sp>
+        <p:nvSpPr>
+          <p:cNvPr id="3" name="object 3"/>
+          <p:cNvSpPr txBox="1"/>
+          <p:nvPr/>
+        </p:nvSpPr>
+        <p:spPr>
+          <a:xfrm>
+            <a:off x="2379344" y="4295140"/>
+            <a:ext cx="5833111" cy="536195"/>
+          </a:xfrm>
+          <a:prstGeom prst="rect">
+            <a:avLst/>
+          </a:prstGeom>
+        </p:spPr>
+        <p:txBody>
+          <a:bodyPr vert="horz" wrap="square" lIns="0" tIns="0" rIns="0" bIns="0" rtlCol="0">
+            <a:noAutofit/>
+          </a:bodyPr>
+          <a:lstStyle/>
+          <a:p>
+            <a:pPr marL="12700">
+              <a:lnSpc>
+                <a:spcPct val="100000"/>
+              </a:lnSpc>
+              <a:buClr>
+                <a:srgbClr val="C56951"/>
+              </a:buClr>
+              <a:tabLst>
+                <a:tab pos="241300" algn="l"/>
+              </a:tabLst>
+            </a:pPr>
+            <a:endParaRPr sz="2000" dirty="0">
+              <a:latin typeface="Franklin Gothic Medium"/>
+              <a:cs typeface="Franklin Gothic Medium"/>
+            </a:endParaRPr>
+          </a:p>
+        </p:txBody>
+      </p:sp>
+      <p:sp>
+        <p:nvSpPr>
+          <p:cNvPr id="4" name="object 4"/>
+          <p:cNvSpPr txBox="1"/>
+          <p:nvPr/>
+        </p:nvSpPr>
+        <p:spPr>
+          <a:xfrm>
+            <a:off x="2396489" y="4295140"/>
+            <a:ext cx="2307590" cy="318135"/>
+          </a:xfrm>
+          <a:prstGeom prst="rect">
+            <a:avLst/>
+          </a:prstGeom>
+        </p:spPr>
+        <p:txBody>
+          <a:bodyPr vert="horz" wrap="square" lIns="0" tIns="0" rIns="0" bIns="0" rtlCol="0">
+            <a:noAutofit/>
+          </a:bodyPr>
+          <a:lstStyle/>
+          <a:p>
+            <a:pPr marL="12700">
+              <a:lnSpc>
+                <a:spcPct val="100000"/>
+              </a:lnSpc>
+              <a:buClr>
+                <a:srgbClr val="C56951"/>
+              </a:buClr>
+              <a:tabLst>
+                <a:tab pos="241300" algn="l"/>
+              </a:tabLst>
+            </a:pPr>
+            <a:endParaRPr sz="2000" dirty="0">
+              <a:latin typeface="Franklin Gothic Medium"/>
+              <a:cs typeface="Franklin Gothic Medium"/>
+            </a:endParaRPr>
+          </a:p>
+        </p:txBody>
+      </p:sp>
+      <p:sp>
+        <p:nvSpPr>
+          <p:cNvPr id="5" name="object 5"/>
+          <p:cNvSpPr txBox="1"/>
+          <p:nvPr/>
+        </p:nvSpPr>
+        <p:spPr>
+          <a:xfrm>
+            <a:off x="4902708" y="4295140"/>
+            <a:ext cx="1278255" cy="315595"/>
+          </a:xfrm>
+          <a:prstGeom prst="rect">
+            <a:avLst/>
+          </a:prstGeom>
+        </p:spPr>
+        <p:txBody>
+          <a:bodyPr vert="horz" wrap="square" lIns="0" tIns="0" rIns="0" bIns="0" rtlCol="0">
+            <a:noAutofit/>
+          </a:bodyPr>
+          <a:lstStyle/>
+          <a:p>
+            <a:pPr marL="12700">
+              <a:lnSpc>
+                <a:spcPct val="100000"/>
+              </a:lnSpc>
+            </a:pPr>
+            <a:endParaRPr lang="pt-PT" sz="2000" spc="0" dirty="0" smtClean="0">
+              <a:solidFill>
+                <a:srgbClr val="524848"/>
+              </a:solidFill>
+              <a:latin typeface="Franklin Gothic Medium"/>
+              <a:cs typeface="Franklin Gothic Medium"/>
+            </a:endParaRPr>
+          </a:p>
+          <a:p>
+            <a:pPr marL="12700">
+              <a:lnSpc>
+                <a:spcPct val="100000"/>
+              </a:lnSpc>
+            </a:pPr>
+            <a:endParaRPr sz="2000" dirty="0">
+              <a:latin typeface="Franklin Gothic Medium"/>
+              <a:cs typeface="Franklin Gothic Medium"/>
+            </a:endParaRPr>
+          </a:p>
+        </p:txBody>
+      </p:sp>
+      <p:sp>
+        <p:nvSpPr>
+          <p:cNvPr id="6" name="object 6"/>
+          <p:cNvSpPr txBox="1">
+            <a:spLocks noGrp="1"/>
+          </p:cNvSpPr>
+          <p:nvPr>
+            <p:ph type="title"/>
+          </p:nvPr>
+        </p:nvSpPr>
+        <p:spPr>
+          <a:prstGeom prst="rect">
+            <a:avLst/>
+          </a:prstGeom>
+        </p:spPr>
+        <p:txBody>
+          <a:bodyPr vert="horz" wrap="square" lIns="0" tIns="0" rIns="0" bIns="0" rtlCol="0">
+            <a:noAutofit/>
+          </a:bodyPr>
+          <a:lstStyle/>
+          <a:p>
+            <a:pPr marL="12700" algn="ctr">
+              <a:lnSpc>
+                <a:spcPct val="100000"/>
+              </a:lnSpc>
+            </a:pPr>
+            <a:r>
+              <a:rPr lang="pt-PT" sz="3200" dirty="0" smtClean="0">
+                <a:solidFill>
+                  <a:schemeClr val="bg1"/>
+                </a:solidFill>
+                <a:latin typeface="Baskerville Old Face"/>
+                <a:cs typeface="Baskerville Old Face"/>
+              </a:rPr>
+              <a:t>Gerar </a:t>
+            </a:r>
+            <a:r>
+              <a:rPr lang="pt-PT" sz="3200" dirty="0" err="1" smtClean="0">
+                <a:solidFill>
+                  <a:schemeClr val="bg1"/>
+                </a:solidFill>
+                <a:latin typeface="Baskerville Old Face"/>
+                <a:cs typeface="Baskerville Old Face"/>
+              </a:rPr>
+              <a:t>Cv</a:t>
+            </a:r>
+            <a:endParaRPr sz="3200" dirty="0">
+              <a:solidFill>
+                <a:schemeClr val="bg1"/>
+              </a:solidFill>
+              <a:latin typeface="Baskerville Old Face"/>
+              <a:cs typeface="Baskerville Old Face"/>
+            </a:endParaRPr>
+          </a:p>
+        </p:txBody>
+      </p:sp>
+      <p:sp>
+        <p:nvSpPr>
+          <p:cNvPr id="7" name="object 7"/>
+          <p:cNvSpPr/>
+          <p:nvPr/>
+        </p:nvSpPr>
+        <p:spPr>
+          <a:xfrm>
+            <a:off x="5295900" y="4941112"/>
+            <a:ext cx="3842257" cy="1916885"/>
+          </a:xfrm>
+          <a:prstGeom prst="rect">
+            <a:avLst/>
+          </a:prstGeom>
+          <a:blipFill>
+            <a:blip r:embed="rId2" cstate="print"/>
+            <a:stretch>
+              <a:fillRect/>
+            </a:stretch>
+          </a:blipFill>
+        </p:spPr>
+        <p:txBody>
+          <a:bodyPr wrap="square" lIns="0" tIns="0" rIns="0" bIns="0" rtlCol="0">
+            <a:noAutofit/>
+          </a:bodyPr>
+          <a:lstStyle/>
+          <a:p>
+            <a:endParaRPr/>
+          </a:p>
+        </p:txBody>
+      </p:sp>
+    </p:spTree>
+    <p:extLst>
+      <p:ext uri="{BB962C8B-B14F-4D97-AF65-F5344CB8AC3E}">
+        <p14:creationId xmlns:p14="http://schemas.microsoft.com/office/powerpoint/2010/main" val="2168163587"/>
+      </p:ext>
+    </p:extLst>
+  </p:cSld>
+  <p:clrMapOvr>
+    <a:masterClrMapping/>
+  </p:clrMapOvr>
+  <p:timing>
+    <p:tnLst>
+      <p:par>
+        <p:cTn id="1" dur="indefinite" restart="never" nodeType="tmRoot"/>
+      </p:par>
+    </p:tnLst>
+  </p:timing>
+</p:sld>
+</file>
+
+<file path=ppt/slides/slide6.xml><?xml version="1.0" encoding="utf-8"?>
+<p:sld xmlns:a="http://schemas.openxmlformats.org/drawingml/2006/main" xmlns:r="http://schemas.openxmlformats.org/officeDocument/2006/relationships" xmlns:p="http://schemas.openxmlformats.org/presentationml/2006/main">
+  <p:cSld>
+    <p:spTree>
+      <p:nvGrpSpPr>
+        <p:cNvPr id="1" name=""/>
+        <p:cNvGrpSpPr/>
+        <p:nvPr/>
+      </p:nvGrpSpPr>
+      <p:grpSpPr>
+        <a:xfrm>
+          <a:off x="0" y="0"/>
+          <a:ext cx="0" cy="0"/>
+          <a:chOff x="0" y="0"/>
+          <a:chExt cx="0" cy="0"/>
+        </a:xfrm>
+      </p:grpSpPr>
+      <p:sp>
+        <p:nvSpPr>
+          <p:cNvPr id="2" name="object 2"/>
+          <p:cNvSpPr txBox="1"/>
+          <p:nvPr/>
+        </p:nvSpPr>
+        <p:spPr>
+          <a:xfrm>
+            <a:off x="2385875" y="1752601"/>
+            <a:ext cx="3515995" cy="457200"/>
+          </a:xfrm>
+          <a:prstGeom prst="rect">
+            <a:avLst/>
+          </a:prstGeom>
+        </p:spPr>
+        <p:txBody>
+          <a:bodyPr vert="horz" wrap="square" lIns="0" tIns="0" rIns="0" bIns="0" rtlCol="0">
+            <a:noAutofit/>
+          </a:bodyPr>
+          <a:lstStyle/>
+          <a:p>
+            <a:pPr marL="241300" indent="-228600">
+              <a:lnSpc>
+                <a:spcPct val="100000"/>
+              </a:lnSpc>
+              <a:buClr>
+                <a:srgbClr val="C56951"/>
+              </a:buClr>
+              <a:buFont typeface="Wingdings 2"/>
+              <a:buChar char=""/>
+              <a:tabLst>
+                <a:tab pos="241300" algn="l"/>
+              </a:tabLst>
+            </a:pPr>
+            <a:r>
+              <a:rPr lang="pt-PT" sz="2000" spc="145" dirty="0" smtClean="0">
+                <a:solidFill>
+                  <a:srgbClr val="524848"/>
+                </a:solidFill>
+                <a:latin typeface="Franklin Gothic Medium"/>
+                <a:cs typeface="Franklin Gothic Medium"/>
+              </a:rPr>
+              <a:t>Máquina de Estado:</a:t>
+            </a:r>
+            <a:endParaRPr lang="pt-PT" sz="2000" spc="145" dirty="0">
+              <a:solidFill>
+                <a:srgbClr val="524848"/>
+              </a:solidFill>
+              <a:latin typeface="Franklin Gothic Medium"/>
+              <a:cs typeface="Franklin Gothic Medium"/>
+            </a:endParaRPr>
+          </a:p>
+          <a:p>
+            <a:pPr marL="241300" indent="-228600">
+              <a:lnSpc>
+                <a:spcPct val="100000"/>
+              </a:lnSpc>
+              <a:buClr>
+                <a:srgbClr val="C56951"/>
+              </a:buClr>
+              <a:buFont typeface="Wingdings 2"/>
+              <a:buChar char=""/>
+              <a:tabLst>
+                <a:tab pos="241300" algn="l"/>
+              </a:tabLst>
+            </a:pPr>
+            <a:endParaRPr lang="pt-PT" sz="2000" spc="145" dirty="0">
+              <a:solidFill>
+                <a:srgbClr val="524848"/>
+              </a:solidFill>
+              <a:latin typeface="Franklin Gothic Medium"/>
+              <a:cs typeface="Franklin Gothic Medium"/>
+            </a:endParaRPr>
+          </a:p>
+          <a:p>
+            <a:pPr marL="12700">
+              <a:lnSpc>
+                <a:spcPct val="100000"/>
+              </a:lnSpc>
+              <a:buClr>
+                <a:srgbClr val="C56951"/>
+              </a:buClr>
+              <a:tabLst>
+                <a:tab pos="241300" algn="l"/>
+              </a:tabLst>
+            </a:pPr>
+            <a:endParaRPr lang="pt-PT" sz="2000" spc="145" dirty="0">
+              <a:solidFill>
+                <a:srgbClr val="524848"/>
+              </a:solidFill>
+              <a:latin typeface="Franklin Gothic Medium"/>
+              <a:cs typeface="Franklin Gothic Medium"/>
+            </a:endParaRPr>
+          </a:p>
+          <a:p>
+            <a:pPr marL="241300" indent="-228600">
+              <a:lnSpc>
+                <a:spcPct val="100000"/>
+              </a:lnSpc>
+              <a:buClr>
+                <a:srgbClr val="C56951"/>
+              </a:buClr>
+              <a:buFont typeface="Wingdings 2"/>
+              <a:buChar char=""/>
+              <a:tabLst>
+                <a:tab pos="241300" algn="l"/>
+              </a:tabLst>
+            </a:pPr>
+            <a:endParaRPr lang="pt-PT" sz="2000" spc="145" dirty="0" smtClean="0">
+              <a:solidFill>
+                <a:srgbClr val="524848"/>
+              </a:solidFill>
+              <a:latin typeface="Franklin Gothic Medium"/>
+              <a:cs typeface="Franklin Gothic Medium"/>
+            </a:endParaRPr>
+          </a:p>
+        </p:txBody>
+      </p:sp>
+      <p:sp>
+        <p:nvSpPr>
+          <p:cNvPr id="3" name="object 3"/>
+          <p:cNvSpPr txBox="1"/>
+          <p:nvPr/>
+        </p:nvSpPr>
+        <p:spPr>
+          <a:xfrm>
+            <a:off x="2379344" y="4295140"/>
+            <a:ext cx="5833111" cy="536195"/>
+          </a:xfrm>
+          <a:prstGeom prst="rect">
+            <a:avLst/>
+          </a:prstGeom>
+        </p:spPr>
+        <p:txBody>
+          <a:bodyPr vert="horz" wrap="square" lIns="0" tIns="0" rIns="0" bIns="0" rtlCol="0">
+            <a:noAutofit/>
+          </a:bodyPr>
+          <a:lstStyle/>
+          <a:p>
+            <a:pPr marL="12700">
+              <a:lnSpc>
+                <a:spcPct val="100000"/>
+              </a:lnSpc>
+              <a:buClr>
+                <a:srgbClr val="C56951"/>
+              </a:buClr>
+              <a:tabLst>
+                <a:tab pos="241300" algn="l"/>
+              </a:tabLst>
+            </a:pPr>
+            <a:endParaRPr sz="2000" dirty="0">
+              <a:latin typeface="Franklin Gothic Medium"/>
+              <a:cs typeface="Franklin Gothic Medium"/>
+            </a:endParaRPr>
+          </a:p>
+        </p:txBody>
+      </p:sp>
+      <p:sp>
+        <p:nvSpPr>
+          <p:cNvPr id="4" name="object 4"/>
+          <p:cNvSpPr txBox="1"/>
+          <p:nvPr/>
+        </p:nvSpPr>
+        <p:spPr>
+          <a:xfrm>
+            <a:off x="2396489" y="4295140"/>
+            <a:ext cx="2307590" cy="318135"/>
+          </a:xfrm>
+          <a:prstGeom prst="rect">
+            <a:avLst/>
+          </a:prstGeom>
+        </p:spPr>
+        <p:txBody>
+          <a:bodyPr vert="horz" wrap="square" lIns="0" tIns="0" rIns="0" bIns="0" rtlCol="0">
+            <a:noAutofit/>
+          </a:bodyPr>
+          <a:lstStyle/>
+          <a:p>
+            <a:pPr marL="12700">
+              <a:lnSpc>
+                <a:spcPct val="100000"/>
+              </a:lnSpc>
+              <a:buClr>
+                <a:srgbClr val="C56951"/>
+              </a:buClr>
+              <a:tabLst>
+                <a:tab pos="241300" algn="l"/>
+              </a:tabLst>
+            </a:pPr>
+            <a:endParaRPr sz="2000" dirty="0">
+              <a:latin typeface="Franklin Gothic Medium"/>
+              <a:cs typeface="Franklin Gothic Medium"/>
+            </a:endParaRPr>
+          </a:p>
+        </p:txBody>
+      </p:sp>
+      <p:sp>
+        <p:nvSpPr>
+          <p:cNvPr id="5" name="object 5"/>
+          <p:cNvSpPr txBox="1"/>
+          <p:nvPr/>
+        </p:nvSpPr>
+        <p:spPr>
+          <a:xfrm>
+            <a:off x="4902708" y="4295140"/>
+            <a:ext cx="1278255" cy="315595"/>
+          </a:xfrm>
+          <a:prstGeom prst="rect">
+            <a:avLst/>
+          </a:prstGeom>
+        </p:spPr>
+        <p:txBody>
+          <a:bodyPr vert="horz" wrap="square" lIns="0" tIns="0" rIns="0" bIns="0" rtlCol="0">
+            <a:noAutofit/>
+          </a:bodyPr>
+          <a:lstStyle/>
+          <a:p>
+            <a:pPr marL="12700">
+              <a:lnSpc>
+                <a:spcPct val="100000"/>
+              </a:lnSpc>
+            </a:pPr>
+            <a:endParaRPr lang="pt-PT" sz="2000" spc="0" dirty="0" smtClean="0">
+              <a:solidFill>
+                <a:srgbClr val="524848"/>
+              </a:solidFill>
+              <a:latin typeface="Franklin Gothic Medium"/>
+              <a:cs typeface="Franklin Gothic Medium"/>
+            </a:endParaRPr>
+          </a:p>
+          <a:p>
+            <a:pPr marL="12700">
+              <a:lnSpc>
+                <a:spcPct val="100000"/>
+              </a:lnSpc>
+            </a:pPr>
+            <a:endParaRPr sz="2000" dirty="0">
+              <a:latin typeface="Franklin Gothic Medium"/>
+              <a:cs typeface="Franklin Gothic Medium"/>
+            </a:endParaRPr>
+          </a:p>
+        </p:txBody>
+      </p:sp>
+      <p:sp>
+        <p:nvSpPr>
+          <p:cNvPr id="6" name="object 6"/>
+          <p:cNvSpPr txBox="1">
+            <a:spLocks noGrp="1"/>
+          </p:cNvSpPr>
+          <p:nvPr>
+            <p:ph type="title"/>
+          </p:nvPr>
+        </p:nvSpPr>
+        <p:spPr>
+          <a:prstGeom prst="rect">
+            <a:avLst/>
+          </a:prstGeom>
+        </p:spPr>
+        <p:txBody>
+          <a:bodyPr vert="horz" wrap="square" lIns="0" tIns="0" rIns="0" bIns="0" rtlCol="0">
+            <a:noAutofit/>
+          </a:bodyPr>
+          <a:lstStyle/>
+          <a:p>
+            <a:pPr marL="12700" algn="ctr">
+              <a:lnSpc>
+                <a:spcPct val="100000"/>
+              </a:lnSpc>
+            </a:pPr>
+            <a:r>
+              <a:rPr lang="pt-PT" sz="3200" dirty="0" smtClean="0">
+                <a:solidFill>
+                  <a:schemeClr val="bg1"/>
+                </a:solidFill>
+                <a:latin typeface="Baskerville Old Face"/>
+                <a:cs typeface="Baskerville Old Face"/>
+              </a:rPr>
+              <a:t>Gerar </a:t>
+            </a:r>
+            <a:r>
+              <a:rPr lang="pt-PT" sz="3200" dirty="0" err="1" smtClean="0">
+                <a:solidFill>
+                  <a:schemeClr val="bg1"/>
+                </a:solidFill>
+                <a:latin typeface="Baskerville Old Face"/>
+                <a:cs typeface="Baskerville Old Face"/>
+              </a:rPr>
+              <a:t>Cv</a:t>
+            </a:r>
+            <a:endParaRPr sz="3200" dirty="0">
+              <a:solidFill>
+                <a:schemeClr val="bg1"/>
+              </a:solidFill>
+              <a:latin typeface="Baskerville Old Face"/>
+              <a:cs typeface="Baskerville Old Face"/>
+            </a:endParaRPr>
+          </a:p>
+        </p:txBody>
+      </p:sp>
+      <p:sp>
+        <p:nvSpPr>
+          <p:cNvPr id="7" name="object 7"/>
+          <p:cNvSpPr/>
+          <p:nvPr/>
+        </p:nvSpPr>
+        <p:spPr>
+          <a:xfrm>
+            <a:off x="5295900" y="4941112"/>
+            <a:ext cx="3842257" cy="1916885"/>
+          </a:xfrm>
+          <a:prstGeom prst="rect">
+            <a:avLst/>
+          </a:prstGeom>
+          <a:blipFill>
+            <a:blip r:embed="rId2" cstate="print"/>
+            <a:stretch>
+              <a:fillRect/>
+            </a:stretch>
+          </a:blipFill>
+        </p:spPr>
+        <p:txBody>
+          <a:bodyPr wrap="square" lIns="0" tIns="0" rIns="0" bIns="0" rtlCol="0">
+            <a:noAutofit/>
+          </a:bodyPr>
+          <a:lstStyle/>
+          <a:p>
+            <a:endParaRPr/>
+          </a:p>
+        </p:txBody>
+      </p:sp>
+      <p:pic>
+        <p:nvPicPr>
+          <p:cNvPr id="9" name="Imagem 8"/>
+          <p:cNvPicPr>
+            <a:picLocks noChangeAspect="1"/>
+          </p:cNvPicPr>
+          <p:nvPr/>
+        </p:nvPicPr>
+        <p:blipFill>
+          <a:blip r:embed="rId3">
+            <a:extLst>
+              <a:ext uri="{28A0092B-C50C-407E-A947-70E740481C1C}">
+                <a14:useLocalDpi xmlns:a14="http://schemas.microsoft.com/office/drawing/2010/main" val="0"/>
+              </a:ext>
+            </a:extLst>
+          </a:blip>
+          <a:stretch>
+            <a:fillRect/>
+          </a:stretch>
+        </p:blipFill>
+        <p:spPr>
+          <a:xfrm>
+            <a:off x="534307" y="2209800"/>
+            <a:ext cx="7965647" cy="3428999"/>
+          </a:xfrm>
+          <a:prstGeom prst="rect">
+            <a:avLst/>
+          </a:prstGeom>
+        </p:spPr>
+      </p:pic>
+    </p:spTree>
+    <p:extLst>
+      <p:ext uri="{BB962C8B-B14F-4D97-AF65-F5344CB8AC3E}">
+        <p14:creationId xmlns:p14="http://schemas.microsoft.com/office/powerpoint/2010/main" val="2466309890"/>
+      </p:ext>
+    </p:extLst>
+  </p:cSld>
+  <p:clrMapOvr>
+    <a:masterClrMapping/>
+  </p:clrMapOvr>
+  <p:timing>
+    <p:tnLst>
+      <p:par>
+        <p:cTn id="1" dur="indefinite" restart="never" nodeType="tmRoot"/>
+      </p:par>
+    </p:tnLst>
+  </p:timing>
+</p:sld>
+</file>
+
+<file path=ppt/slides/slide7.xml><?xml version="1.0" encoding="utf-8"?>
+<p:sld xmlns:a="http://schemas.openxmlformats.org/drawingml/2006/main" xmlns:r="http://schemas.openxmlformats.org/officeDocument/2006/relationships" xmlns:p="http://schemas.openxmlformats.org/presentationml/2006/main">
+  <p:cSld>
+    <p:spTree>
+      <p:nvGrpSpPr>
+        <p:cNvPr id="1" name=""/>
+        <p:cNvGrpSpPr/>
+        <p:nvPr/>
+      </p:nvGrpSpPr>
+      <p:grpSpPr>
+        <a:xfrm>
+          <a:off x="0" y="0"/>
+          <a:ext cx="0" cy="0"/>
+          <a:chOff x="0" y="0"/>
+          <a:chExt cx="0" cy="0"/>
+        </a:xfrm>
+      </p:grpSpPr>
+      <p:sp>
+        <p:nvSpPr>
+          <p:cNvPr id="2" name="object 2"/>
+          <p:cNvSpPr txBox="1"/>
+          <p:nvPr/>
+        </p:nvSpPr>
+        <p:spPr>
+          <a:xfrm>
+            <a:off x="2396489" y="1787236"/>
+            <a:ext cx="3515995" cy="719455"/>
+          </a:xfrm>
+          <a:prstGeom prst="rect">
+            <a:avLst/>
+          </a:prstGeom>
+        </p:spPr>
+        <p:txBody>
+          <a:bodyPr vert="horz" wrap="square" lIns="0" tIns="0" rIns="0" bIns="0" rtlCol="0">
+            <a:noAutofit/>
+          </a:bodyPr>
+          <a:lstStyle/>
+          <a:p>
+            <a:pPr marL="241300" indent="-228600">
+              <a:lnSpc>
+                <a:spcPct val="100000"/>
+              </a:lnSpc>
+              <a:buClr>
+                <a:srgbClr val="C56951"/>
+              </a:buClr>
+              <a:buFont typeface="Wingdings 2"/>
+              <a:buChar char=""/>
+              <a:tabLst>
+                <a:tab pos="241300" algn="l"/>
+              </a:tabLst>
+            </a:pPr>
+            <a:r>
+              <a:rPr lang="pt-PT" sz="2000" spc="145" dirty="0" smtClean="0">
+                <a:solidFill>
+                  <a:srgbClr val="524848"/>
+                </a:solidFill>
+                <a:latin typeface="Franklin Gothic Medium"/>
+                <a:cs typeface="Franklin Gothic Medium"/>
+              </a:rPr>
+              <a:t>Perfis de </a:t>
+            </a:r>
+            <a:r>
+              <a:rPr lang="pt-PT" sz="2000" spc="145" dirty="0" smtClean="0">
+                <a:solidFill>
+                  <a:srgbClr val="524848"/>
+                </a:solidFill>
+                <a:latin typeface="Franklin Gothic Medium"/>
+                <a:cs typeface="Franklin Gothic Medium"/>
+              </a:rPr>
+              <a:t>Candidatos</a:t>
+            </a:r>
+            <a:endParaRPr lang="pt-PT" sz="2000" spc="145" dirty="0" smtClean="0">
+              <a:solidFill>
+                <a:srgbClr val="524848"/>
+              </a:solidFill>
+              <a:latin typeface="Franklin Gothic Medium"/>
+              <a:cs typeface="Franklin Gothic Medium"/>
+            </a:endParaRPr>
+          </a:p>
+          <a:p>
+            <a:pPr marL="241300" indent="-228600">
+              <a:lnSpc>
+                <a:spcPct val="100000"/>
+              </a:lnSpc>
+              <a:buClr>
+                <a:srgbClr val="C56951"/>
+              </a:buClr>
+              <a:buFont typeface="Wingdings 2"/>
+              <a:buChar char=""/>
+              <a:tabLst>
+                <a:tab pos="241300" algn="l"/>
+              </a:tabLst>
+            </a:pPr>
+            <a:endParaRPr lang="pt-PT" sz="2000" spc="145" dirty="0" smtClean="0">
+              <a:solidFill>
+                <a:srgbClr val="524848"/>
+              </a:solidFill>
+              <a:latin typeface="Franklin Gothic Medium"/>
+              <a:cs typeface="Franklin Gothic Medium"/>
+            </a:endParaRPr>
+          </a:p>
+          <a:p>
+            <a:pPr marL="241300" indent="-228600">
+              <a:lnSpc>
+                <a:spcPct val="100000"/>
+              </a:lnSpc>
+              <a:buClr>
+                <a:srgbClr val="C56951"/>
+              </a:buClr>
+              <a:buFont typeface="Wingdings 2"/>
+              <a:buChar char=""/>
+              <a:tabLst>
+                <a:tab pos="241300" algn="l"/>
+              </a:tabLst>
+            </a:pPr>
+            <a:endParaRPr lang="pt-PT" sz="2000" spc="145" dirty="0">
+              <a:solidFill>
+                <a:srgbClr val="524848"/>
+              </a:solidFill>
+              <a:latin typeface="Franklin Gothic Medium"/>
+              <a:cs typeface="Franklin Gothic Medium"/>
+            </a:endParaRPr>
+          </a:p>
+          <a:p>
+            <a:pPr marL="241300" indent="-228600">
+              <a:lnSpc>
+                <a:spcPct val="100000"/>
+              </a:lnSpc>
+              <a:buClr>
+                <a:srgbClr val="C56951"/>
+              </a:buClr>
+              <a:buFont typeface="Wingdings 2"/>
+              <a:buChar char=""/>
+              <a:tabLst>
+                <a:tab pos="241300" algn="l"/>
+              </a:tabLst>
+            </a:pPr>
+            <a:r>
+              <a:rPr lang="pt-PT" sz="2000" spc="145" dirty="0" smtClean="0">
+                <a:solidFill>
+                  <a:srgbClr val="524848"/>
+                </a:solidFill>
+                <a:latin typeface="Franklin Gothic Medium"/>
+                <a:cs typeface="Franklin Gothic Medium"/>
+              </a:rPr>
+              <a:t>Gerar </a:t>
+            </a:r>
+            <a:r>
+              <a:rPr lang="pt-PT" sz="2000" i="1" spc="145" dirty="0" smtClean="0">
+                <a:solidFill>
+                  <a:srgbClr val="524848"/>
+                </a:solidFill>
+                <a:latin typeface="Franklin Gothic Medium"/>
+                <a:cs typeface="Franklin Gothic Medium"/>
+              </a:rPr>
+              <a:t>Curriculum vitae </a:t>
+            </a:r>
+            <a:r>
+              <a:rPr lang="pt-PT" sz="2000" spc="145" dirty="0" smtClean="0">
+                <a:solidFill>
+                  <a:srgbClr val="524848"/>
+                </a:solidFill>
+                <a:latin typeface="Franklin Gothic Medium"/>
+                <a:cs typeface="Franklin Gothic Medium"/>
+              </a:rPr>
+              <a:t>(CV</a:t>
+            </a:r>
+            <a:r>
+              <a:rPr lang="pt-PT" sz="2000" spc="145" dirty="0" smtClean="0">
+                <a:solidFill>
+                  <a:srgbClr val="524848"/>
+                </a:solidFill>
+                <a:latin typeface="Franklin Gothic Medium"/>
+                <a:cs typeface="Franklin Gothic Medium"/>
+              </a:rPr>
+              <a:t>).</a:t>
+            </a:r>
+            <a:endParaRPr lang="pt-PT" sz="2000" spc="145" dirty="0" smtClean="0">
+              <a:solidFill>
+                <a:srgbClr val="524848"/>
+              </a:solidFill>
+              <a:latin typeface="Franklin Gothic Medium"/>
+              <a:cs typeface="Franklin Gothic Medium"/>
+            </a:endParaRPr>
+          </a:p>
+          <a:p>
+            <a:pPr marL="241300" indent="-228600">
+              <a:lnSpc>
+                <a:spcPct val="100000"/>
+              </a:lnSpc>
+              <a:buClr>
+                <a:srgbClr val="C56951"/>
+              </a:buClr>
+              <a:buFont typeface="Wingdings 2"/>
+              <a:buChar char=""/>
+              <a:tabLst>
+                <a:tab pos="241300" algn="l"/>
+              </a:tabLst>
+            </a:pPr>
+            <a:endParaRPr lang="pt-PT" sz="2000" spc="145" dirty="0" smtClean="0">
+              <a:solidFill>
+                <a:srgbClr val="524848"/>
+              </a:solidFill>
+              <a:latin typeface="Franklin Gothic Medium"/>
+              <a:cs typeface="Franklin Gothic Medium"/>
+            </a:endParaRPr>
+          </a:p>
+          <a:p>
+            <a:pPr marL="241300" indent="-228600">
+              <a:lnSpc>
+                <a:spcPct val="100000"/>
+              </a:lnSpc>
+              <a:buClr>
+                <a:srgbClr val="C56951"/>
+              </a:buClr>
+              <a:buFont typeface="Wingdings 2"/>
+              <a:buChar char=""/>
+              <a:tabLst>
+                <a:tab pos="241300" algn="l"/>
+              </a:tabLst>
+            </a:pPr>
+            <a:endParaRPr lang="pt-PT" sz="2000" spc="145" dirty="0">
+              <a:solidFill>
+                <a:srgbClr val="524848"/>
+              </a:solidFill>
+              <a:latin typeface="Franklin Gothic Medium"/>
+              <a:cs typeface="Franklin Gothic Medium"/>
+            </a:endParaRPr>
+          </a:p>
+          <a:p>
+            <a:pPr marL="241300" indent="-228600">
+              <a:lnSpc>
+                <a:spcPct val="100000"/>
+              </a:lnSpc>
+              <a:buClr>
+                <a:srgbClr val="C56951"/>
+              </a:buClr>
+              <a:buFont typeface="Wingdings 2"/>
+              <a:buChar char=""/>
+              <a:tabLst>
+                <a:tab pos="241300" algn="l"/>
+              </a:tabLst>
+            </a:pPr>
+            <a:r>
+              <a:rPr lang="pt-PT" sz="2000" spc="145" dirty="0" smtClean="0">
+                <a:solidFill>
+                  <a:srgbClr val="524848"/>
+                </a:solidFill>
+                <a:latin typeface="Franklin Gothic Medium"/>
+                <a:cs typeface="Franklin Gothic Medium"/>
+              </a:rPr>
+              <a:t>Publicação de anúncios de emprego.</a:t>
+            </a:r>
+          </a:p>
+          <a:p>
+            <a:pPr marL="241300" indent="-228600">
+              <a:lnSpc>
+                <a:spcPct val="100000"/>
+              </a:lnSpc>
+              <a:buClr>
+                <a:srgbClr val="C56951"/>
+              </a:buClr>
+              <a:buFont typeface="Wingdings 2"/>
+              <a:buChar char=""/>
+              <a:tabLst>
+                <a:tab pos="241300" algn="l"/>
+              </a:tabLst>
+            </a:pPr>
+            <a:endParaRPr lang="pt-PT" sz="2000" spc="145" dirty="0" smtClean="0">
+              <a:solidFill>
+                <a:srgbClr val="524848"/>
+              </a:solidFill>
+              <a:latin typeface="Franklin Gothic Medium"/>
+              <a:cs typeface="Franklin Gothic Medium"/>
+            </a:endParaRPr>
+          </a:p>
+          <a:p>
+            <a:pPr marL="241300" indent="-228600">
+              <a:lnSpc>
+                <a:spcPct val="100000"/>
+              </a:lnSpc>
+              <a:buClr>
+                <a:srgbClr val="C56951"/>
+              </a:buClr>
+              <a:buFont typeface="Wingdings 2"/>
+              <a:buChar char=""/>
+              <a:tabLst>
+                <a:tab pos="241300" algn="l"/>
+              </a:tabLst>
+            </a:pPr>
+            <a:endParaRPr lang="pt-PT" sz="2000" spc="145" dirty="0">
+              <a:solidFill>
+                <a:srgbClr val="524848"/>
+              </a:solidFill>
+              <a:latin typeface="Franklin Gothic Medium"/>
+              <a:cs typeface="Franklin Gothic Medium"/>
+            </a:endParaRPr>
+          </a:p>
+          <a:p>
+            <a:pPr marL="241300" indent="-228600">
+              <a:lnSpc>
+                <a:spcPct val="100000"/>
+              </a:lnSpc>
+              <a:buClr>
+                <a:srgbClr val="C56951"/>
+              </a:buClr>
+              <a:buFont typeface="Wingdings 2"/>
+              <a:buChar char=""/>
+              <a:tabLst>
+                <a:tab pos="241300" algn="l"/>
+              </a:tabLst>
+            </a:pPr>
+            <a:r>
+              <a:rPr lang="pt-PT" sz="2000" spc="145" dirty="0" smtClean="0">
+                <a:solidFill>
+                  <a:srgbClr val="524848"/>
+                </a:solidFill>
+                <a:latin typeface="Franklin Gothic Medium"/>
+                <a:cs typeface="Franklin Gothic Medium"/>
+              </a:rPr>
+              <a:t>Pesquisar </a:t>
+            </a:r>
+            <a:r>
+              <a:rPr lang="pt-PT" sz="2000" spc="145" dirty="0" smtClean="0">
+                <a:solidFill>
+                  <a:srgbClr val="524848"/>
+                </a:solidFill>
+                <a:latin typeface="Franklin Gothic Medium"/>
+                <a:cs typeface="Franklin Gothic Medium"/>
+              </a:rPr>
+              <a:t>Anúncios de emprego.</a:t>
+            </a:r>
+            <a:endParaRPr lang="pt-PT" sz="2000" spc="145" dirty="0" smtClean="0">
+              <a:solidFill>
+                <a:srgbClr val="524848"/>
+              </a:solidFill>
+              <a:latin typeface="Franklin Gothic Medium"/>
+              <a:cs typeface="Franklin Gothic Medium"/>
+            </a:endParaRPr>
+          </a:p>
+          <a:p>
+            <a:pPr marL="241300" indent="-228600">
+              <a:lnSpc>
+                <a:spcPct val="100000"/>
+              </a:lnSpc>
+              <a:buClr>
+                <a:srgbClr val="C56951"/>
+              </a:buClr>
+              <a:buFont typeface="Wingdings 2"/>
+              <a:buChar char=""/>
+              <a:tabLst>
+                <a:tab pos="241300" algn="l"/>
+              </a:tabLst>
+            </a:pPr>
+            <a:endParaRPr lang="pt-PT" sz="2000" spc="145" dirty="0">
+              <a:solidFill>
+                <a:srgbClr val="524848"/>
+              </a:solidFill>
+              <a:latin typeface="Franklin Gothic Medium"/>
+              <a:cs typeface="Franklin Gothic Medium"/>
+            </a:endParaRPr>
+          </a:p>
+          <a:p>
+            <a:pPr marL="241300" indent="-228600">
+              <a:lnSpc>
+                <a:spcPct val="100000"/>
+              </a:lnSpc>
+              <a:buClr>
+                <a:srgbClr val="C56951"/>
+              </a:buClr>
+              <a:buFont typeface="Wingdings 2"/>
+              <a:buChar char=""/>
+              <a:tabLst>
+                <a:tab pos="241300" algn="l"/>
+              </a:tabLst>
+            </a:pPr>
+            <a:endParaRPr lang="pt-PT" sz="2000" spc="145" dirty="0" smtClean="0">
+              <a:solidFill>
+                <a:srgbClr val="524848"/>
+              </a:solidFill>
+              <a:latin typeface="Franklin Gothic Medium"/>
+              <a:cs typeface="Franklin Gothic Medium"/>
+            </a:endParaRPr>
+          </a:p>
+        </p:txBody>
+      </p:sp>
+      <p:sp>
+        <p:nvSpPr>
+          <p:cNvPr id="3" name="object 3"/>
+          <p:cNvSpPr txBox="1"/>
+          <p:nvPr/>
+        </p:nvSpPr>
+        <p:spPr>
+          <a:xfrm>
+            <a:off x="2379344" y="4295140"/>
+            <a:ext cx="5833111" cy="536195"/>
+          </a:xfrm>
+          <a:prstGeom prst="rect">
+            <a:avLst/>
+          </a:prstGeom>
+        </p:spPr>
+        <p:txBody>
+          <a:bodyPr vert="horz" wrap="square" lIns="0" tIns="0" rIns="0" bIns="0" rtlCol="0">
+            <a:noAutofit/>
+          </a:bodyPr>
+          <a:lstStyle/>
+          <a:p>
+            <a:pPr marL="12700">
+              <a:lnSpc>
+                <a:spcPct val="100000"/>
+              </a:lnSpc>
+              <a:buClr>
+                <a:srgbClr val="C56951"/>
+              </a:buClr>
+              <a:tabLst>
+                <a:tab pos="241300" algn="l"/>
+              </a:tabLst>
+            </a:pPr>
+            <a:endParaRPr sz="2000" dirty="0">
+              <a:latin typeface="Franklin Gothic Medium"/>
+              <a:cs typeface="Franklin Gothic Medium"/>
+            </a:endParaRPr>
+          </a:p>
+        </p:txBody>
+      </p:sp>
+      <p:sp>
+        <p:nvSpPr>
+          <p:cNvPr id="4" name="object 4"/>
+          <p:cNvSpPr txBox="1"/>
+          <p:nvPr/>
+        </p:nvSpPr>
+        <p:spPr>
+          <a:xfrm>
+            <a:off x="2396489" y="4295140"/>
+            <a:ext cx="2307590" cy="318135"/>
+          </a:xfrm>
+          <a:prstGeom prst="rect">
+            <a:avLst/>
+          </a:prstGeom>
+        </p:spPr>
+        <p:txBody>
+          <a:bodyPr vert="horz" wrap="square" lIns="0" tIns="0" rIns="0" bIns="0" rtlCol="0">
+            <a:noAutofit/>
+          </a:bodyPr>
+          <a:lstStyle/>
+          <a:p>
+            <a:pPr marL="12700">
+              <a:lnSpc>
+                <a:spcPct val="100000"/>
+              </a:lnSpc>
+              <a:buClr>
+                <a:srgbClr val="C56951"/>
+              </a:buClr>
+              <a:tabLst>
+                <a:tab pos="241300" algn="l"/>
+              </a:tabLst>
+            </a:pPr>
+            <a:endParaRPr sz="2000" dirty="0">
+              <a:latin typeface="Franklin Gothic Medium"/>
+              <a:cs typeface="Franklin Gothic Medium"/>
+            </a:endParaRPr>
+          </a:p>
+        </p:txBody>
+      </p:sp>
+      <p:sp>
+        <p:nvSpPr>
+          <p:cNvPr id="5" name="object 5"/>
+          <p:cNvSpPr txBox="1"/>
+          <p:nvPr/>
+        </p:nvSpPr>
+        <p:spPr>
+          <a:xfrm>
+            <a:off x="4902708" y="4295140"/>
+            <a:ext cx="1278255" cy="315595"/>
+          </a:xfrm>
+          <a:prstGeom prst="rect">
+            <a:avLst/>
+          </a:prstGeom>
+        </p:spPr>
+        <p:txBody>
+          <a:bodyPr vert="horz" wrap="square" lIns="0" tIns="0" rIns="0" bIns="0" rtlCol="0">
+            <a:noAutofit/>
+          </a:bodyPr>
+          <a:lstStyle/>
+          <a:p>
+            <a:pPr marL="12700">
+              <a:lnSpc>
+                <a:spcPct val="100000"/>
+              </a:lnSpc>
+            </a:pPr>
+            <a:endParaRPr lang="pt-PT" sz="2000" spc="0" dirty="0" smtClean="0">
+              <a:solidFill>
+                <a:srgbClr val="524848"/>
+              </a:solidFill>
+              <a:latin typeface="Franklin Gothic Medium"/>
+              <a:cs typeface="Franklin Gothic Medium"/>
+            </a:endParaRPr>
+          </a:p>
+          <a:p>
+            <a:pPr marL="12700">
+              <a:lnSpc>
+                <a:spcPct val="100000"/>
+              </a:lnSpc>
+            </a:pPr>
+            <a:endParaRPr sz="2000" dirty="0">
+              <a:latin typeface="Franklin Gothic Medium"/>
+              <a:cs typeface="Franklin Gothic Medium"/>
+            </a:endParaRPr>
+          </a:p>
+        </p:txBody>
+      </p:sp>
+      <p:sp>
+        <p:nvSpPr>
+          <p:cNvPr id="6" name="object 6"/>
+          <p:cNvSpPr txBox="1">
+            <a:spLocks noGrp="1"/>
+          </p:cNvSpPr>
+          <p:nvPr>
+            <p:ph type="title"/>
+          </p:nvPr>
+        </p:nvSpPr>
+        <p:spPr>
+          <a:xfrm>
+            <a:off x="2852802" y="304800"/>
+            <a:ext cx="3328161" cy="520826"/>
+          </a:xfrm>
+          <a:prstGeom prst="rect">
+            <a:avLst/>
+          </a:prstGeom>
+        </p:spPr>
+        <p:txBody>
+          <a:bodyPr vert="horz" wrap="square" lIns="0" tIns="0" rIns="0" bIns="0" rtlCol="0">
+            <a:noAutofit/>
+          </a:bodyPr>
+          <a:lstStyle/>
+          <a:p>
+            <a:pPr marL="12700" algn="ctr">
+              <a:lnSpc>
+                <a:spcPct val="100000"/>
+              </a:lnSpc>
+            </a:pPr>
+            <a:r>
+              <a:rPr lang="pt-PT" sz="3200" dirty="0" smtClean="0">
+                <a:solidFill>
+                  <a:schemeClr val="bg1"/>
+                </a:solidFill>
+                <a:latin typeface="Baskerville Old Face"/>
+                <a:cs typeface="Baskerville Old Face"/>
+              </a:rPr>
+              <a:t>Funcionalidades da aplicação</a:t>
+            </a:r>
+            <a:endParaRPr sz="3200" dirty="0">
+              <a:solidFill>
+                <a:schemeClr val="bg1"/>
+              </a:solidFill>
+              <a:latin typeface="Baskerville Old Face"/>
+              <a:cs typeface="Baskerville Old Face"/>
+            </a:endParaRPr>
+          </a:p>
+        </p:txBody>
+      </p:sp>
+      <p:sp>
+        <p:nvSpPr>
+          <p:cNvPr id="7" name="object 7"/>
+          <p:cNvSpPr/>
+          <p:nvPr/>
+        </p:nvSpPr>
+        <p:spPr>
+          <a:xfrm>
+            <a:off x="5295900" y="4941112"/>
+            <a:ext cx="3842257" cy="1916885"/>
+          </a:xfrm>
+          <a:prstGeom prst="rect">
+            <a:avLst/>
+          </a:prstGeom>
+          <a:blipFill>
+            <a:blip r:embed="rId2" cstate="print"/>
+            <a:stretch>
+              <a:fillRect/>
+            </a:stretch>
+          </a:blipFill>
+        </p:spPr>
+        <p:txBody>
+          <a:bodyPr wrap="square" lIns="0" tIns="0" rIns="0" bIns="0" rtlCol="0">
+            <a:noAutofit/>
+          </a:bodyPr>
+          <a:lstStyle/>
+          <a:p>
+            <a:endParaRPr/>
+          </a:p>
+        </p:txBody>
+      </p:sp>
+    </p:spTree>
+    <p:extLst>
+      <p:ext uri="{BB962C8B-B14F-4D97-AF65-F5344CB8AC3E}">
+        <p14:creationId xmlns:p14="http://schemas.microsoft.com/office/powerpoint/2010/main" val="342566424"/>
+      </p:ext>
+    </p:extLst>
+  </p:cSld>
+  <p:clrMapOvr>
+    <a:masterClrMapping/>
+  </p:clrMapOvr>
+  <p:timing>
+    <p:tnLst>
+      <p:par>
+        <p:cTn id="1" dur="indefinite" restart="never" nodeType="tmRoot"/>
+      </p:par>
+    </p:tnLst>
+  </p:timing>
+</p:sld>
+</file>
+
+<file path=ppt/slides/slide8.xml><?xml version="1.0" encoding="utf-8"?>
+<p:sld xmlns:a="http://schemas.openxmlformats.org/drawingml/2006/main" xmlns:r="http://schemas.openxmlformats.org/officeDocument/2006/relationships" xmlns:p="http://schemas.openxmlformats.org/presentationml/2006/main">
+  <p:cSld>
+    <p:spTree>
+      <p:nvGrpSpPr>
+        <p:cNvPr id="1" name=""/>
+        <p:cNvGrpSpPr/>
+        <p:nvPr/>
+      </p:nvGrpSpPr>
+      <p:grpSpPr>
+        <a:xfrm>
+          <a:off x="0" y="0"/>
+          <a:ext cx="0" cy="0"/>
+          <a:chOff x="0" y="0"/>
+          <a:chExt cx="0" cy="0"/>
+        </a:xfrm>
+      </p:grpSpPr>
+      <p:sp>
+        <p:nvSpPr>
+          <p:cNvPr id="2" name="object 2"/>
+          <p:cNvSpPr txBox="1"/>
+          <p:nvPr/>
+        </p:nvSpPr>
+        <p:spPr>
+          <a:xfrm>
+            <a:off x="2385875" y="1752600"/>
+            <a:ext cx="3515995" cy="719455"/>
+          </a:xfrm>
+          <a:prstGeom prst="rect">
+            <a:avLst/>
+          </a:prstGeom>
+        </p:spPr>
+        <p:txBody>
+          <a:bodyPr vert="horz" wrap="square" lIns="0" tIns="0" rIns="0" bIns="0" rtlCol="0">
+            <a:noAutofit/>
+          </a:bodyPr>
+          <a:lstStyle/>
+          <a:p>
+            <a:pPr marL="241300" indent="-228600">
+              <a:lnSpc>
+                <a:spcPct val="100000"/>
+              </a:lnSpc>
+              <a:buClr>
+                <a:srgbClr val="C56951"/>
+              </a:buClr>
+              <a:buFont typeface="Wingdings 2"/>
+              <a:buChar char=""/>
+              <a:tabLst>
+                <a:tab pos="241300" algn="l"/>
+              </a:tabLst>
+            </a:pPr>
+            <a:r>
+              <a:rPr lang="pt-PT" sz="2000" spc="145" dirty="0" smtClean="0">
+                <a:solidFill>
+                  <a:srgbClr val="524848"/>
+                </a:solidFill>
+                <a:latin typeface="Franklin Gothic Medium"/>
+                <a:cs typeface="Franklin Gothic Medium"/>
+              </a:rPr>
+              <a:t>Aprendizagem de novas linguagens de programação e utilização de outras já adquiridas.</a:t>
+            </a:r>
+          </a:p>
+          <a:p>
+            <a:pPr marL="241300" indent="-228600">
+              <a:lnSpc>
+                <a:spcPct val="100000"/>
+              </a:lnSpc>
+              <a:buClr>
+                <a:srgbClr val="C56951"/>
+              </a:buClr>
+              <a:buFont typeface="Wingdings 2"/>
+              <a:buChar char=""/>
+              <a:tabLst>
+                <a:tab pos="241300" algn="l"/>
+              </a:tabLst>
+            </a:pPr>
+            <a:endParaRPr lang="pt-PT" sz="2000" spc="145" dirty="0" smtClean="0">
+              <a:solidFill>
+                <a:srgbClr val="524848"/>
+              </a:solidFill>
+              <a:latin typeface="Franklin Gothic Medium"/>
+              <a:cs typeface="Franklin Gothic Medium"/>
+            </a:endParaRPr>
+          </a:p>
+          <a:p>
+            <a:pPr marL="241300" indent="-228600">
+              <a:lnSpc>
+                <a:spcPct val="100000"/>
+              </a:lnSpc>
+              <a:buClr>
+                <a:srgbClr val="C56951"/>
+              </a:buClr>
+              <a:buFont typeface="Wingdings 2"/>
+              <a:buChar char=""/>
+              <a:tabLst>
+                <a:tab pos="241300" algn="l"/>
+              </a:tabLst>
+            </a:pPr>
+            <a:r>
+              <a:rPr lang="pt-PT" sz="2000" spc="145" dirty="0" smtClean="0">
+                <a:solidFill>
+                  <a:srgbClr val="524848"/>
+                </a:solidFill>
+                <a:latin typeface="Franklin Gothic Medium"/>
+                <a:cs typeface="Franklin Gothic Medium"/>
+              </a:rPr>
+              <a:t>Conhecimentos sobre o mercado de trabalho.</a:t>
+            </a:r>
+          </a:p>
+          <a:p>
+            <a:pPr marL="241300" indent="-228600">
+              <a:lnSpc>
+                <a:spcPct val="100000"/>
+              </a:lnSpc>
+              <a:buClr>
+                <a:srgbClr val="C56951"/>
+              </a:buClr>
+              <a:buFont typeface="Wingdings 2"/>
+              <a:buChar char=""/>
+              <a:tabLst>
+                <a:tab pos="241300" algn="l"/>
+              </a:tabLst>
+            </a:pPr>
+            <a:endParaRPr lang="pt-PT" sz="2000" spc="145" dirty="0" smtClean="0">
+              <a:solidFill>
+                <a:srgbClr val="524848"/>
+              </a:solidFill>
+              <a:latin typeface="Franklin Gothic Medium"/>
+              <a:cs typeface="Franklin Gothic Medium"/>
+            </a:endParaRPr>
+          </a:p>
+          <a:p>
+            <a:pPr marL="241300" indent="-228600">
+              <a:lnSpc>
+                <a:spcPct val="100000"/>
+              </a:lnSpc>
+              <a:buClr>
+                <a:srgbClr val="C56951"/>
+              </a:buClr>
+              <a:buFont typeface="Wingdings 2"/>
+              <a:buChar char=""/>
+              <a:tabLst>
+                <a:tab pos="241300" algn="l"/>
+              </a:tabLst>
+            </a:pPr>
+            <a:r>
+              <a:rPr lang="pt-PT" sz="2000" spc="145" dirty="0" smtClean="0">
+                <a:solidFill>
+                  <a:srgbClr val="524848"/>
+                </a:solidFill>
+                <a:latin typeface="Franklin Gothic Medium"/>
+                <a:cs typeface="Franklin Gothic Medium"/>
+              </a:rPr>
+              <a:t>Dificuldades.</a:t>
+            </a:r>
+            <a:br>
+              <a:rPr lang="pt-PT" sz="2000" spc="145" dirty="0" smtClean="0">
+                <a:solidFill>
+                  <a:srgbClr val="524848"/>
+                </a:solidFill>
+                <a:latin typeface="Franklin Gothic Medium"/>
+                <a:cs typeface="Franklin Gothic Medium"/>
+              </a:rPr>
+            </a:br>
+            <a:r>
+              <a:rPr lang="pt-PT" sz="2000" spc="145" dirty="0" smtClean="0">
+                <a:solidFill>
+                  <a:srgbClr val="524848"/>
+                </a:solidFill>
+                <a:latin typeface="Franklin Gothic Medium"/>
+                <a:cs typeface="Franklin Gothic Medium"/>
+              </a:rPr>
+              <a:t> </a:t>
+            </a:r>
+            <a:endParaRPr lang="pt-PT" sz="2000" spc="145" dirty="0">
+              <a:solidFill>
+                <a:srgbClr val="524848"/>
+              </a:solidFill>
+              <a:latin typeface="Franklin Gothic Medium"/>
+              <a:cs typeface="Franklin Gothic Medium"/>
+            </a:endParaRPr>
+          </a:p>
+          <a:p>
+            <a:pPr marL="241300" indent="-228600">
+              <a:lnSpc>
+                <a:spcPct val="100000"/>
+              </a:lnSpc>
+              <a:buClr>
+                <a:srgbClr val="C56951"/>
+              </a:buClr>
+              <a:buFont typeface="Wingdings 2"/>
+              <a:buChar char=""/>
+              <a:tabLst>
+                <a:tab pos="241300" algn="l"/>
+              </a:tabLst>
+            </a:pPr>
+            <a:r>
+              <a:rPr lang="pt-PT" sz="2000" spc="145" dirty="0" smtClean="0">
+                <a:solidFill>
+                  <a:srgbClr val="524848"/>
+                </a:solidFill>
+                <a:latin typeface="Franklin Gothic Medium"/>
+                <a:cs typeface="Franklin Gothic Medium"/>
+              </a:rPr>
+              <a:t>Expansão da aplicação no futuro.</a:t>
+            </a:r>
+          </a:p>
+          <a:p>
+            <a:pPr marL="241300" indent="-228600">
+              <a:lnSpc>
+                <a:spcPct val="100000"/>
+              </a:lnSpc>
+              <a:buClr>
+                <a:srgbClr val="C56951"/>
+              </a:buClr>
+              <a:buFont typeface="Wingdings 2"/>
+              <a:buChar char=""/>
+              <a:tabLst>
+                <a:tab pos="241300" algn="l"/>
+              </a:tabLst>
+            </a:pPr>
+            <a:endParaRPr lang="pt-PT" sz="2000" spc="145" dirty="0">
+              <a:solidFill>
+                <a:srgbClr val="524848"/>
+              </a:solidFill>
+              <a:latin typeface="Franklin Gothic Medium"/>
+              <a:cs typeface="Franklin Gothic Medium"/>
+            </a:endParaRPr>
+          </a:p>
+          <a:p>
+            <a:pPr marL="241300" indent="-228600">
+              <a:lnSpc>
+                <a:spcPct val="100000"/>
+              </a:lnSpc>
+              <a:buClr>
+                <a:srgbClr val="C56951"/>
+              </a:buClr>
+              <a:buFont typeface="Wingdings 2"/>
+              <a:buChar char=""/>
+              <a:tabLst>
+                <a:tab pos="241300" algn="l"/>
+              </a:tabLst>
+            </a:pPr>
+            <a:endParaRPr lang="pt-PT" sz="2000" spc="145" dirty="0" smtClean="0">
+              <a:solidFill>
+                <a:srgbClr val="524848"/>
+              </a:solidFill>
+              <a:latin typeface="Franklin Gothic Medium"/>
+              <a:cs typeface="Franklin Gothic Medium"/>
+            </a:endParaRPr>
+          </a:p>
+        </p:txBody>
+      </p:sp>
+      <p:sp>
+        <p:nvSpPr>
+          <p:cNvPr id="3" name="object 3"/>
+          <p:cNvSpPr txBox="1"/>
+          <p:nvPr/>
+        </p:nvSpPr>
+        <p:spPr>
+          <a:xfrm>
+            <a:off x="2379344" y="4295140"/>
+            <a:ext cx="5833111" cy="536195"/>
+          </a:xfrm>
+          <a:prstGeom prst="rect">
+            <a:avLst/>
+          </a:prstGeom>
+        </p:spPr>
+        <p:txBody>
+          <a:bodyPr vert="horz" wrap="square" lIns="0" tIns="0" rIns="0" bIns="0" rtlCol="0">
+            <a:noAutofit/>
+          </a:bodyPr>
+          <a:lstStyle/>
+          <a:p>
+            <a:pPr marL="12700">
+              <a:lnSpc>
+                <a:spcPct val="100000"/>
+              </a:lnSpc>
+              <a:buClr>
+                <a:srgbClr val="C56951"/>
+              </a:buClr>
+              <a:tabLst>
+                <a:tab pos="241300" algn="l"/>
+              </a:tabLst>
+            </a:pPr>
+            <a:endParaRPr sz="2000" dirty="0">
+              <a:latin typeface="Franklin Gothic Medium"/>
+              <a:cs typeface="Franklin Gothic Medium"/>
+            </a:endParaRPr>
+          </a:p>
+        </p:txBody>
+      </p:sp>
+      <p:sp>
+        <p:nvSpPr>
+          <p:cNvPr id="4" name="object 4"/>
+          <p:cNvSpPr txBox="1"/>
+          <p:nvPr/>
+        </p:nvSpPr>
+        <p:spPr>
+          <a:xfrm>
+            <a:off x="2396489" y="4295140"/>
+            <a:ext cx="2307590" cy="318135"/>
+          </a:xfrm>
+          <a:prstGeom prst="rect">
+            <a:avLst/>
+          </a:prstGeom>
+        </p:spPr>
+        <p:txBody>
+          <a:bodyPr vert="horz" wrap="square" lIns="0" tIns="0" rIns="0" bIns="0" rtlCol="0">
+            <a:noAutofit/>
+          </a:bodyPr>
+          <a:lstStyle/>
+          <a:p>
+            <a:pPr marL="12700">
+              <a:lnSpc>
+                <a:spcPct val="100000"/>
+              </a:lnSpc>
+              <a:buClr>
+                <a:srgbClr val="C56951"/>
+              </a:buClr>
+              <a:tabLst>
+                <a:tab pos="241300" algn="l"/>
+              </a:tabLst>
+            </a:pPr>
+            <a:endParaRPr sz="2000" dirty="0">
+              <a:latin typeface="Franklin Gothic Medium"/>
+              <a:cs typeface="Franklin Gothic Medium"/>
+            </a:endParaRPr>
+          </a:p>
+        </p:txBody>
+      </p:sp>
+      <p:sp>
+        <p:nvSpPr>
+          <p:cNvPr id="5" name="object 5"/>
+          <p:cNvSpPr txBox="1"/>
+          <p:nvPr/>
+        </p:nvSpPr>
+        <p:spPr>
+          <a:xfrm>
+            <a:off x="4902708" y="4295140"/>
+            <a:ext cx="1278255" cy="315595"/>
+          </a:xfrm>
+          <a:prstGeom prst="rect">
+            <a:avLst/>
+          </a:prstGeom>
+        </p:spPr>
+        <p:txBody>
+          <a:bodyPr vert="horz" wrap="square" lIns="0" tIns="0" rIns="0" bIns="0" rtlCol="0">
+            <a:noAutofit/>
+          </a:bodyPr>
+          <a:lstStyle/>
+          <a:p>
+            <a:pPr marL="12700">
+              <a:lnSpc>
+                <a:spcPct val="100000"/>
+              </a:lnSpc>
+            </a:pPr>
+            <a:endParaRPr lang="pt-PT" sz="2000" spc="0" dirty="0" smtClean="0">
+              <a:solidFill>
+                <a:srgbClr val="524848"/>
+              </a:solidFill>
+              <a:latin typeface="Franklin Gothic Medium"/>
+              <a:cs typeface="Franklin Gothic Medium"/>
+            </a:endParaRPr>
+          </a:p>
+          <a:p>
+            <a:pPr marL="12700">
+              <a:lnSpc>
+                <a:spcPct val="100000"/>
+              </a:lnSpc>
+            </a:pPr>
+            <a:endParaRPr sz="2000" dirty="0">
+              <a:latin typeface="Franklin Gothic Medium"/>
+              <a:cs typeface="Franklin Gothic Medium"/>
+            </a:endParaRPr>
+          </a:p>
+        </p:txBody>
+      </p:sp>
+      <p:sp>
+        <p:nvSpPr>
+          <p:cNvPr id="6" name="object 6"/>
+          <p:cNvSpPr txBox="1">
+            <a:spLocks noGrp="1"/>
+          </p:cNvSpPr>
+          <p:nvPr>
+            <p:ph type="title"/>
+          </p:nvPr>
+        </p:nvSpPr>
+        <p:spPr>
+          <a:prstGeom prst="rect">
+            <a:avLst/>
+          </a:prstGeom>
+        </p:spPr>
+        <p:txBody>
+          <a:bodyPr vert="horz" wrap="square" lIns="0" tIns="0" rIns="0" bIns="0" rtlCol="0">
+            <a:noAutofit/>
+          </a:bodyPr>
+          <a:lstStyle/>
+          <a:p>
+            <a:pPr marL="12700" algn="ctr">
+              <a:lnSpc>
+                <a:spcPct val="100000"/>
+              </a:lnSpc>
+            </a:pPr>
+            <a:r>
+              <a:rPr lang="pt-PT" sz="3200" spc="195" dirty="0" smtClean="0">
+                <a:solidFill>
+                  <a:srgbClr val="FFFFFF"/>
+                </a:solidFill>
+                <a:latin typeface="Baskerville Old Face"/>
+                <a:cs typeface="Baskerville Old Face"/>
+              </a:rPr>
+              <a:t>Conclusão</a:t>
+            </a:r>
+            <a:endParaRPr sz="3200" dirty="0">
+              <a:latin typeface="Baskerville Old Face"/>
+              <a:cs typeface="Baskerville Old Face"/>
+            </a:endParaRPr>
+          </a:p>
+        </p:txBody>
+      </p:sp>
+      <p:sp>
+        <p:nvSpPr>
+          <p:cNvPr id="7" name="object 7"/>
+          <p:cNvSpPr/>
+          <p:nvPr/>
+        </p:nvSpPr>
+        <p:spPr>
+          <a:xfrm>
+            <a:off x="5295900" y="4941112"/>
+            <a:ext cx="3842257" cy="1916885"/>
+          </a:xfrm>
+          <a:prstGeom prst="rect">
+            <a:avLst/>
+          </a:prstGeom>
+          <a:blipFill>
+            <a:blip r:embed="rId2" cstate="print"/>
+            <a:stretch>
+              <a:fillRect/>
+            </a:stretch>
+          </a:blipFill>
+        </p:spPr>
+        <p:txBody>
+          <a:bodyPr wrap="square" lIns="0" tIns="0" rIns="0" bIns="0" rtlCol="0">
+            <a:noAutofit/>
+          </a:bodyPr>
+          <a:lstStyle/>
+          <a:p>
+            <a:endParaRPr/>
+          </a:p>
+        </p:txBody>
+      </p:sp>
+    </p:spTree>
+    <p:extLst>
+      <p:ext uri="{BB962C8B-B14F-4D97-AF65-F5344CB8AC3E}">
+        <p14:creationId xmlns:p14="http://schemas.microsoft.com/office/powerpoint/2010/main" val="1702320654"/>
+      </p:ext>
+    </p:extLst>
+  </p:cSld>
+  <p:clrMapOvr>
+    <a:masterClrMapping/>
+  </p:clrMapOvr>
+  <p:timing>
+    <p:tnLst>
+      <p:par>
+        <p:cTn id="1" dur="indefinite" restart="never" nodeType="tmRoot"/>
+      </p:par>
+    </p:tnLst>
+  </p:timing>
 </p:sld>
 </file>
 
